--- a/h.pptx
+++ b/h.pptx
@@ -6,10 +6,10 @@
   </p:sldMasterIdLst>
   <p:sldIdLst>
     <p:sldId id="256" r:id="rId2"/>
-    <p:sldId id="260" r:id="rId3"/>
-    <p:sldId id="257" r:id="rId4"/>
-    <p:sldId id="258" r:id="rId5"/>
-    <p:sldId id="259" r:id="rId6"/>
+    <p:sldId id="257" r:id="rId3"/>
+    <p:sldId id="258" r:id="rId4"/>
+    <p:sldId id="259" r:id="rId5"/>
+    <p:sldId id="260" r:id="rId6"/>
   </p:sldIdLst>
   <p:sldSz cx="12192000" cy="6858000"/>
   <p:notesSz cx="6858000" cy="9144000"/>
@@ -108,6 +108,11 @@
       </a:defRPr>
     </a:lvl9pPr>
   </p:defaultTextStyle>
+  <p:extLst>
+    <p:ext uri="{EFAFB233-063F-42B5-8137-9DF3F51BA10A}">
+      <p15:sldGuideLst xmlns:p15="http://schemas.microsoft.com/office/powerpoint/2012/main"/>
+    </p:ext>
+  </p:extLst>
 </p:presentation>
 </file>
 
@@ -6382,83 +6387,6 @@
           <a:chExt cx="0" cy="0"/>
         </a:xfrm>
       </p:grpSpPr>
-      <p:pic>
-        <p:nvPicPr>
-          <p:cNvPr id="3074" name="Picture 2" descr="See related image detail. Dhanyawad PNG Transparent Images Free Download | Vector Files | Pngtree">
-            <a:extLst>
-              <a:ext uri="{FF2B5EF4-FFF2-40B4-BE49-F238E27FC236}">
-                <a16:creationId xmlns:a16="http://schemas.microsoft.com/office/drawing/2014/main" id="{779DF965-9912-5FA8-2C53-4D42BCFAF08C}"/>
-              </a:ext>
-            </a:extLst>
-          </p:cNvPr>
-          <p:cNvPicPr>
-            <a:picLocks noChangeAspect="1" noChangeArrowheads="1"/>
-          </p:cNvPicPr>
-          <p:nvPr/>
-        </p:nvPicPr>
-        <p:blipFill>
-          <a:blip r:embed="rId2">
-            <a:extLst>
-              <a:ext uri="{28A0092B-C50C-407E-A947-70E740481C1C}">
-                <a14:useLocalDpi xmlns:a14="http://schemas.microsoft.com/office/drawing/2010/main" val="0"/>
-              </a:ext>
-            </a:extLst>
-          </a:blip>
-          <a:srcRect/>
-          <a:stretch>
-            <a:fillRect/>
-          </a:stretch>
-        </p:blipFill>
-        <p:spPr bwMode="auto">
-          <a:xfrm>
-            <a:off x="3095538" y="260758"/>
-            <a:ext cx="5164909" cy="5164909"/>
-          </a:xfrm>
-          <a:prstGeom prst="rect">
-            <a:avLst/>
-          </a:prstGeom>
-          <a:noFill/>
-          <a:extLst>
-            <a:ext uri="{909E8E84-426E-40DD-AFC4-6F175D3DCCD1}">
-              <a14:hiddenFill xmlns:a14="http://schemas.microsoft.com/office/drawing/2010/main">
-                <a:solidFill>
-                  <a:srgbClr val="FFFFFF"/>
-                </a:solidFill>
-              </a14:hiddenFill>
-            </a:ext>
-          </a:extLst>
-        </p:spPr>
-      </p:pic>
-    </p:spTree>
-    <p:extLst>
-      <p:ext uri="{BB962C8B-B14F-4D97-AF65-F5344CB8AC3E}">
-        <p14:creationId xmlns:p14="http://schemas.microsoft.com/office/powerpoint/2010/main" val="2486590109"/>
-      </p:ext>
-    </p:extLst>
-  </p:cSld>
-  <p:clrMapOvr>
-    <a:masterClrMapping/>
-  </p:clrMapOvr>
-</p:sld>
-</file>
-
-<file path=ppt/slides/slide3.xml><?xml version="1.0" encoding="utf-8"?>
-<p:sld xmlns:a="http://schemas.openxmlformats.org/drawingml/2006/main" xmlns:r="http://schemas.openxmlformats.org/officeDocument/2006/relationships" xmlns:p="http://schemas.openxmlformats.org/presentationml/2006/main">
-  <p:cSld>
-    <p:spTree>
-      <p:nvGrpSpPr>
-        <p:cNvPr id="1" name=""/>
-        <p:cNvGrpSpPr/>
-        <p:nvPr/>
-      </p:nvGrpSpPr>
-      <p:grpSpPr>
-        <a:xfrm>
-          <a:off x="0" y="0"/>
-          <a:ext cx="0" cy="0"/>
-          <a:chOff x="0" y="0"/>
-          <a:chExt cx="0" cy="0"/>
-        </a:xfrm>
-      </p:grpSpPr>
       <p:sp>
         <p:nvSpPr>
           <p:cNvPr id="3" name="Content Placeholder 2">
@@ -6616,7 +6544,7 @@
 </p:sld>
 </file>
 
-<file path=ppt/slides/slide4.xml><?xml version="1.0" encoding="utf-8"?>
+<file path=ppt/slides/slide3.xml><?xml version="1.0" encoding="utf-8"?>
 <p:sld xmlns:a="http://schemas.openxmlformats.org/drawingml/2006/main" xmlns:r="http://schemas.openxmlformats.org/officeDocument/2006/relationships" xmlns:p="http://schemas.openxmlformats.org/presentationml/2006/main">
   <p:cSld>
     <p:spTree>
@@ -6771,6 +6699,243 @@
 </p:sld>
 </file>
 
+<file path=ppt/slides/slide4.xml><?xml version="1.0" encoding="utf-8"?>
+<p:sld xmlns:a="http://schemas.openxmlformats.org/drawingml/2006/main" xmlns:r="http://schemas.openxmlformats.org/officeDocument/2006/relationships" xmlns:p="http://schemas.openxmlformats.org/presentationml/2006/main">
+  <p:cSld>
+    <p:spTree>
+      <p:nvGrpSpPr>
+        <p:cNvPr id="1" name=""/>
+        <p:cNvGrpSpPr/>
+        <p:nvPr/>
+      </p:nvGrpSpPr>
+      <p:grpSpPr>
+        <a:xfrm>
+          <a:off x="0" y="0"/>
+          <a:ext cx="0" cy="0"/>
+          <a:chOff x="0" y="0"/>
+          <a:chExt cx="0" cy="0"/>
+        </a:xfrm>
+      </p:grpSpPr>
+      <p:sp>
+        <p:nvSpPr>
+          <p:cNvPr id="2" name="Title 1">
+            <a:extLst>
+              <a:ext uri="{FF2B5EF4-FFF2-40B4-BE49-F238E27FC236}">
+                <a16:creationId xmlns:a16="http://schemas.microsoft.com/office/drawing/2014/main" id="{2F05BC73-30EA-3E4C-60A7-F4135B61D76B}"/>
+              </a:ext>
+            </a:extLst>
+          </p:cNvPr>
+          <p:cNvSpPr>
+            <a:spLocks noGrp="1"/>
+          </p:cNvSpPr>
+          <p:nvPr>
+            <p:ph type="title"/>
+          </p:nvPr>
+        </p:nvSpPr>
+        <p:spPr>
+          <a:xfrm>
+            <a:off x="838200" y="209726"/>
+            <a:ext cx="10515600" cy="1590020"/>
+          </a:xfrm>
+        </p:spPr>
+        <p:txBody>
+          <a:bodyPr>
+            <a:normAutofit fontScale="90000"/>
+          </a:bodyPr>
+          <a:lstStyle/>
+          <a:p>
+            <a:r>
+              <a:rPr lang="hi-IN" sz="12500" b="1" dirty="0"/>
+              <a:t>कठिन शब्द</a:t>
+            </a:r>
+            <a:r>
+              <a:rPr lang="en-US" sz="12500" b="1" dirty="0"/>
+              <a:t>: -</a:t>
+            </a:r>
+            <a:endParaRPr lang="en-IN" sz="12500" b="1" dirty="0"/>
+          </a:p>
+        </p:txBody>
+      </p:sp>
+      <p:sp>
+        <p:nvSpPr>
+          <p:cNvPr id="3" name="Content Placeholder 2">
+            <a:extLst>
+              <a:ext uri="{FF2B5EF4-FFF2-40B4-BE49-F238E27FC236}">
+                <a16:creationId xmlns:a16="http://schemas.microsoft.com/office/drawing/2014/main" id="{A1553941-7392-F007-BB84-6D1CEF8EB6A8}"/>
+              </a:ext>
+            </a:extLst>
+          </p:cNvPr>
+          <p:cNvSpPr>
+            <a:spLocks noGrp="1"/>
+          </p:cNvSpPr>
+          <p:nvPr>
+            <p:ph idx="1"/>
+          </p:nvPr>
+        </p:nvSpPr>
+        <p:spPr>
+          <a:xfrm>
+            <a:off x="838200" y="1753914"/>
+            <a:ext cx="10515600" cy="4351338"/>
+          </a:xfrm>
+        </p:spPr>
+        <p:txBody>
+          <a:bodyPr>
+            <a:normAutofit/>
+          </a:bodyPr>
+          <a:lstStyle/>
+          <a:p>
+            <a:r>
+              <a:rPr lang="hi-IN" sz="4000" i="0" dirty="0">
+                <a:effectLst/>
+                <a:latin typeface="Söhne"/>
+              </a:rPr>
+              <a:t>विधियाँ </a:t>
+            </a:r>
+            <a:r>
+              <a:rPr lang="en-IN" sz="4000" i="0" dirty="0">
+                <a:effectLst/>
+                <a:latin typeface="Söhne"/>
+              </a:rPr>
+              <a:t>– </a:t>
+            </a:r>
+            <a:r>
+              <a:rPr lang="hi-IN" sz="4000" i="0" dirty="0">
+                <a:effectLst/>
+                <a:latin typeface="Söhne"/>
+              </a:rPr>
+              <a:t>तरीके</a:t>
+            </a:r>
+            <a:endParaRPr lang="en-US" sz="4000" i="0" dirty="0">
+              <a:effectLst/>
+              <a:latin typeface="Söhne"/>
+            </a:endParaRPr>
+          </a:p>
+          <a:p>
+            <a:r>
+              <a:rPr lang="hi-IN" sz="4000" i="0" dirty="0">
+                <a:effectLst/>
+                <a:latin typeface="Söhne"/>
+              </a:rPr>
+              <a:t>ठगा </a:t>
+            </a:r>
+            <a:r>
+              <a:rPr lang="en-IN" sz="4000" i="0" dirty="0">
+                <a:effectLst/>
+                <a:latin typeface="Söhne"/>
+              </a:rPr>
+              <a:t>– </a:t>
+            </a:r>
+            <a:r>
+              <a:rPr lang="hi-IN" sz="4000" i="0" dirty="0">
+                <a:effectLst/>
+                <a:latin typeface="Söhne"/>
+              </a:rPr>
+              <a:t>धोखा</a:t>
+            </a:r>
+            <a:endParaRPr lang="en-US" sz="4000" i="0" dirty="0">
+              <a:effectLst/>
+              <a:latin typeface="Söhne"/>
+            </a:endParaRPr>
+          </a:p>
+          <a:p>
+            <a:r>
+              <a:rPr lang="hi-IN" sz="4000" i="0" dirty="0">
+                <a:effectLst/>
+                <a:latin typeface="Söhne"/>
+              </a:rPr>
+              <a:t>विश्वासघात </a:t>
+            </a:r>
+            <a:r>
+              <a:rPr lang="en-IN" sz="4000" i="0" dirty="0">
+                <a:effectLst/>
+                <a:latin typeface="Söhne"/>
+              </a:rPr>
+              <a:t>– </a:t>
+            </a:r>
+            <a:r>
+              <a:rPr lang="hi-IN" sz="4000" i="0" dirty="0">
+                <a:effectLst/>
+                <a:latin typeface="Söhne"/>
+              </a:rPr>
+              <a:t>धोखा</a:t>
+            </a:r>
+            <a:endParaRPr lang="en-US" sz="4000" i="0" dirty="0">
+              <a:effectLst/>
+              <a:latin typeface="Söhne"/>
+            </a:endParaRPr>
+          </a:p>
+          <a:p>
+            <a:r>
+              <a:rPr lang="hi-IN" sz="4000" i="0" dirty="0">
+                <a:effectLst/>
+                <a:latin typeface="Söhne"/>
+              </a:rPr>
+              <a:t>संभावना </a:t>
+            </a:r>
+            <a:r>
+              <a:rPr lang="en-IN" sz="4000" i="0" dirty="0">
+                <a:effectLst/>
+                <a:latin typeface="Söhne"/>
+              </a:rPr>
+              <a:t>– </a:t>
+            </a:r>
+            <a:r>
+              <a:rPr lang="hi-IN" sz="4000" i="0" dirty="0">
+                <a:effectLst/>
+                <a:latin typeface="Söhne"/>
+              </a:rPr>
+              <a:t>अवसर</a:t>
+            </a:r>
+            <a:endParaRPr lang="en-US" sz="4000" i="0" dirty="0">
+              <a:effectLst/>
+              <a:latin typeface="Söhne"/>
+            </a:endParaRPr>
+          </a:p>
+          <a:p>
+            <a:r>
+              <a:rPr lang="hi-IN" sz="4000" i="0" dirty="0">
+                <a:effectLst/>
+                <a:latin typeface="Söhne"/>
+              </a:rPr>
+              <a:t>व्याकुल </a:t>
+            </a:r>
+            <a:r>
+              <a:rPr lang="en-US" sz="4000" i="0" dirty="0">
+                <a:effectLst/>
+                <a:latin typeface="Söhne"/>
+              </a:rPr>
+              <a:t>- 	</a:t>
+            </a:r>
+            <a:r>
+              <a:rPr lang="hi-IN" sz="4000" i="0" dirty="0">
+                <a:effectLst/>
+                <a:latin typeface="Söhne"/>
+              </a:rPr>
+              <a:t>चिंतित</a:t>
+            </a:r>
+            <a:endParaRPr lang="en-US" sz="4000" i="0" dirty="0">
+              <a:effectLst/>
+              <a:latin typeface="Söhne"/>
+            </a:endParaRPr>
+          </a:p>
+          <a:p>
+            <a:endParaRPr lang="en-IN" sz="4000" dirty="0"/>
+          </a:p>
+        </p:txBody>
+      </p:sp>
+    </p:spTree>
+    <p:extLst>
+      <p:ext uri="{BB962C8B-B14F-4D97-AF65-F5344CB8AC3E}">
+        <p14:creationId xmlns:p14="http://schemas.microsoft.com/office/powerpoint/2010/main" val="2834690876"/>
+      </p:ext>
+    </p:extLst>
+  </p:cSld>
+  <p:clrMapOvr>
+    <a:masterClrMapping/>
+  </p:clrMapOvr>
+</p:sld>
+</file>
+
 <file path=ppt/slides/slide5.xml><?xml version="1.0" encoding="utf-8"?>
 <p:sld xmlns:a="http://schemas.openxmlformats.org/drawingml/2006/main" xmlns:r="http://schemas.openxmlformats.org/officeDocument/2006/relationships" xmlns:p="http://schemas.openxmlformats.org/presentationml/2006/main">
   <p:cSld>
@@ -6788,217 +6953,57 @@
           <a:chExt cx="0" cy="0"/>
         </a:xfrm>
       </p:grpSpPr>
-      <p:sp>
-        <p:nvSpPr>
-          <p:cNvPr id="2" name="Title 1">
+      <p:pic>
+        <p:nvPicPr>
+          <p:cNvPr id="3074" name="Picture 2" descr="See related image detail. Dhanyawad PNG Transparent Images Free Download | Vector Files | Pngtree">
             <a:extLst>
               <a:ext uri="{FF2B5EF4-FFF2-40B4-BE49-F238E27FC236}">
-                <a16:creationId xmlns:a16="http://schemas.microsoft.com/office/drawing/2014/main" id="{2F05BC73-30EA-3E4C-60A7-F4135B61D76B}"/>
+                <a16:creationId xmlns:a16="http://schemas.microsoft.com/office/drawing/2014/main" id="{779DF965-9912-5FA8-2C53-4D42BCFAF08C}"/>
               </a:ext>
             </a:extLst>
           </p:cNvPr>
-          <p:cNvSpPr>
-            <a:spLocks noGrp="1"/>
-          </p:cNvSpPr>
-          <p:nvPr>
-            <p:ph type="title"/>
-          </p:nvPr>
-        </p:nvSpPr>
-        <p:spPr>
-          <a:xfrm>
-            <a:off x="838200" y="209726"/>
-            <a:ext cx="10515600" cy="1590020"/>
-          </a:xfrm>
-        </p:spPr>
-        <p:txBody>
-          <a:bodyPr>
-            <a:normAutofit fontScale="90000"/>
-          </a:bodyPr>
-          <a:lstStyle/>
-          <a:p>
-            <a:r>
-              <a:rPr lang="hi-IN" sz="12500" b="1" dirty="0"/>
-              <a:t>कठिन शब्द</a:t>
-            </a:r>
-            <a:r>
-              <a:rPr lang="en-US" sz="12500" b="1" dirty="0"/>
-              <a:t>: -</a:t>
-            </a:r>
-            <a:endParaRPr lang="en-IN" sz="12500" b="1" dirty="0"/>
-          </a:p>
-        </p:txBody>
-      </p:sp>
-      <p:sp>
-        <p:nvSpPr>
-          <p:cNvPr id="3" name="Content Placeholder 2">
+          <p:cNvPicPr>
+            <a:picLocks noChangeAspect="1" noChangeArrowheads="1"/>
+          </p:cNvPicPr>
+          <p:nvPr/>
+        </p:nvPicPr>
+        <p:blipFill>
+          <a:blip r:embed="rId2">
             <a:extLst>
-              <a:ext uri="{FF2B5EF4-FFF2-40B4-BE49-F238E27FC236}">
-                <a16:creationId xmlns:a16="http://schemas.microsoft.com/office/drawing/2014/main" id="{A1553941-7392-F007-BB84-6D1CEF8EB6A8}"/>
+              <a:ext uri="{28A0092B-C50C-407E-A947-70E740481C1C}">
+                <a14:useLocalDpi xmlns:a14="http://schemas.microsoft.com/office/drawing/2010/main" val="0"/>
               </a:ext>
             </a:extLst>
-          </p:cNvPr>
-          <p:cNvSpPr>
-            <a:spLocks noGrp="1"/>
-          </p:cNvSpPr>
-          <p:nvPr>
-            <p:ph idx="1"/>
-          </p:nvPr>
-        </p:nvSpPr>
-        <p:spPr>
+          </a:blip>
+          <a:srcRect/>
+          <a:stretch>
+            <a:fillRect/>
+          </a:stretch>
+        </p:blipFill>
+        <p:spPr bwMode="auto">
           <a:xfrm>
-            <a:off x="838200" y="1753914"/>
-            <a:ext cx="10515600" cy="4351338"/>
-          </a:xfrm>
-        </p:spPr>
-        <p:txBody>
-          <a:bodyPr>
-            <a:normAutofit/>
-          </a:bodyPr>
-          <a:lstStyle/>
-          <a:p>
-            <a:r>
-              <a:rPr lang="hi-IN" sz="4000" i="0" dirty="0">
-                <a:effectLst/>
-                <a:latin typeface="Söhne"/>
-              </a:rPr>
-              <a:t>विधियाँ </a:t>
-            </a:r>
-            <a:r>
-              <a:rPr lang="en-IN" sz="4000" i="0" dirty="0">
-                <a:effectLst/>
-                <a:latin typeface="Söhne"/>
-              </a:rPr>
-              <a:t>– </a:t>
-            </a:r>
-            <a:r>
-              <a:rPr lang="hi-IN" sz="4000" i="0" dirty="0">
-                <a:effectLst/>
-                <a:latin typeface="Söhne"/>
-              </a:rPr>
-              <a:t>तरीके</a:t>
-            </a:r>
-            <a:endParaRPr lang="en-US" sz="4000" i="0" dirty="0">
-              <a:effectLst/>
-              <a:latin typeface="Söhne"/>
-            </a:endParaRPr>
-          </a:p>
-          <a:p>
-            <a:r>
-              <a:rPr lang="hi-IN" sz="4000" i="0" dirty="0">
-                <a:effectLst/>
-                <a:latin typeface="Söhne"/>
-              </a:rPr>
-              <a:t>ठगा </a:t>
-            </a:r>
-            <a:r>
-              <a:rPr lang="en-IN" sz="4000" i="0" dirty="0">
-                <a:effectLst/>
-                <a:latin typeface="Söhne"/>
-              </a:rPr>
-              <a:t>– </a:t>
-            </a:r>
-            <a:r>
-              <a:rPr lang="hi-IN" sz="4000" i="0" dirty="0">
-                <a:effectLst/>
-                <a:latin typeface="Söhne"/>
-              </a:rPr>
-              <a:t>धोखा</a:t>
-            </a:r>
-            <a:endParaRPr lang="en-US" sz="4000" i="0" dirty="0">
-              <a:effectLst/>
-              <a:latin typeface="Söhne"/>
-            </a:endParaRPr>
-          </a:p>
-          <a:p>
-            <a:r>
-              <a:rPr lang="hi-IN" sz="4000" i="0" dirty="0">
-                <a:effectLst/>
-                <a:latin typeface="Söhne"/>
-              </a:rPr>
-              <a:t>विश्वासघात </a:t>
-            </a:r>
-            <a:r>
-              <a:rPr lang="en-IN" sz="4000" i="0" dirty="0">
-                <a:effectLst/>
-                <a:latin typeface="Söhne"/>
-              </a:rPr>
-              <a:t>– </a:t>
-            </a:r>
-            <a:r>
-              <a:rPr lang="hi-IN" sz="4000" i="0" dirty="0">
-                <a:effectLst/>
-                <a:latin typeface="Söhne"/>
-              </a:rPr>
-              <a:t>धोखा</a:t>
-            </a:r>
-            <a:endParaRPr lang="en-US" sz="4000" i="0" dirty="0">
-              <a:effectLst/>
-              <a:latin typeface="Söhne"/>
-            </a:endParaRPr>
-          </a:p>
-          <a:p>
-            <a:r>
-              <a:rPr lang="hi-IN" sz="4000" i="0" dirty="0">
-                <a:effectLst/>
-                <a:latin typeface="Söhne"/>
-              </a:rPr>
-              <a:t>संभावना </a:t>
-            </a:r>
-            <a:r>
-              <a:rPr lang="en-IN" sz="4000" i="0" dirty="0">
-                <a:effectLst/>
-                <a:latin typeface="Söhne"/>
-              </a:rPr>
-              <a:t>– </a:t>
-            </a:r>
-            <a:r>
-              <a:rPr lang="hi-IN" sz="4000" i="0" dirty="0">
-                <a:effectLst/>
-                <a:latin typeface="Söhne"/>
-              </a:rPr>
-              <a:t>अवसर</a:t>
-            </a:r>
-            <a:endParaRPr lang="en-US" sz="4000" i="0" dirty="0">
-              <a:effectLst/>
-              <a:latin typeface="Söhne"/>
-            </a:endParaRPr>
-          </a:p>
-          <a:p>
-            <a:r>
-              <a:rPr lang="hi-IN" sz="4000" i="0" dirty="0">
-                <a:effectLst/>
-                <a:latin typeface="Söhne"/>
-              </a:rPr>
-              <a:t>व्याकुल </a:t>
-            </a:r>
-            <a:r>
-              <a:rPr lang="en-US" sz="4000" i="0" dirty="0">
-                <a:effectLst/>
-                <a:latin typeface="Söhne"/>
-              </a:rPr>
-              <a:t>- 	</a:t>
-            </a:r>
-            <a:r>
-              <a:rPr lang="hi-IN" sz="4000" i="0" dirty="0">
-                <a:effectLst/>
-                <a:latin typeface="Söhne"/>
-              </a:rPr>
-              <a:t>चिंतित</a:t>
-            </a:r>
-            <a:endParaRPr lang="en-US" sz="4000" i="0" dirty="0">
-              <a:effectLst/>
-              <a:latin typeface="Söhne"/>
-            </a:endParaRPr>
-          </a:p>
-          <a:p>
-            <a:endParaRPr lang="en-IN" sz="4000" dirty="0"/>
-          </a:p>
-        </p:txBody>
-      </p:sp>
+            <a:off x="3095538" y="260758"/>
+            <a:ext cx="5164909" cy="5164909"/>
+          </a:xfrm>
+          <a:prstGeom prst="rect">
+            <a:avLst/>
+          </a:prstGeom>
+          <a:noFill/>
+          <a:extLst>
+            <a:ext uri="{909E8E84-426E-40DD-AFC4-6F175D3DCCD1}">
+              <a14:hiddenFill xmlns:a14="http://schemas.microsoft.com/office/drawing/2010/main">
+                <a:solidFill>
+                  <a:srgbClr val="FFFFFF"/>
+                </a:solidFill>
+              </a14:hiddenFill>
+            </a:ext>
+          </a:extLst>
+        </p:spPr>
+      </p:pic>
     </p:spTree>
     <p:extLst>
       <p:ext uri="{BB962C8B-B14F-4D97-AF65-F5344CB8AC3E}">
-        <p14:creationId xmlns:p14="http://schemas.microsoft.com/office/powerpoint/2010/main" val="2834690876"/>
+        <p14:creationId xmlns:p14="http://schemas.microsoft.com/office/powerpoint/2010/main" val="2486590109"/>
       </p:ext>
     </p:extLst>
   </p:cSld>
